--- a/CGMD.pptx
+++ b/CGMD.pptx
@@ -7,7 +7,10 @@
   <p:sldIdLst>
     <p:sldId id="256" r:id="rId2"/>
     <p:sldId id="257" r:id="rId3"/>
-    <p:sldId id="258" r:id="rId4"/>
+    <p:sldId id="260" r:id="rId4"/>
+    <p:sldId id="258" r:id="rId5"/>
+    <p:sldId id="259" r:id="rId6"/>
+    <p:sldId id="261" r:id="rId7"/>
   </p:sldIdLst>
   <p:sldSz cx="12192000" cy="6858000"/>
   <p:notesSz cx="6858000" cy="9144000"/>
@@ -3510,11 +3513,299 @@
         </p:blipFill>
         <p:spPr>
           <a:xfrm>
-            <a:off x="2596668" y="147138"/>
+            <a:off x="2596667" y="-15658"/>
             <a:ext cx="6773195" cy="4351338"/>
           </a:xfrm>
         </p:spPr>
       </p:pic>
+      <p:graphicFrame>
+        <p:nvGraphicFramePr>
+          <p:cNvPr id="7" name="Table 7">
+            <a:extLst>
+              <a:ext uri="{FF2B5EF4-FFF2-40B4-BE49-F238E27FC236}">
+                <a16:creationId xmlns:a16="http://schemas.microsoft.com/office/drawing/2014/main" id="{0F7AAB49-86C3-BA47-D1D7-B8F5C9BD1C54}"/>
+              </a:ext>
+            </a:extLst>
+          </p:cNvPr>
+          <p:cNvGraphicFramePr>
+            <a:graphicFrameLocks noGrp="1"/>
+          </p:cNvGraphicFramePr>
+          <p:nvPr>
+            <p:extLst>
+              <p:ext uri="{D42A27DB-BD31-4B8C-83A1-F6EECF244321}">
+                <p14:modId xmlns:p14="http://schemas.microsoft.com/office/powerpoint/2010/main" val="3514409701"/>
+              </p:ext>
+            </p:extLst>
+          </p:nvPr>
+        </p:nvGraphicFramePr>
+        <p:xfrm>
+          <a:off x="1448147" y="4571722"/>
+          <a:ext cx="9070234" cy="2123440"/>
+        </p:xfrm>
+        <a:graphic>
+          <a:graphicData uri="http://schemas.openxmlformats.org/drawingml/2006/table">
+            <a:tbl>
+              <a:tblPr firstRow="1" bandRow="1">
+                <a:tableStyleId>{5C22544A-7EE6-4342-B048-85BDC9FD1C3A}</a:tableStyleId>
+              </a:tblPr>
+              <a:tblGrid>
+                <a:gridCol w="4535117">
+                  <a:extLst>
+                    <a:ext uri="{9D8B030D-6E8A-4147-A177-3AD203B41FA5}">
+                      <a16:colId xmlns:a16="http://schemas.microsoft.com/office/drawing/2014/main" val="102434986"/>
+                    </a:ext>
+                  </a:extLst>
+                </a:gridCol>
+                <a:gridCol w="4535117">
+                  <a:extLst>
+                    <a:ext uri="{9D8B030D-6E8A-4147-A177-3AD203B41FA5}">
+                      <a16:colId xmlns:a16="http://schemas.microsoft.com/office/drawing/2014/main" val="1045744916"/>
+                    </a:ext>
+                  </a:extLst>
+                </a:gridCol>
+              </a:tblGrid>
+              <a:tr h="370840">
+                <a:tc>
+                  <a:txBody>
+                    <a:bodyPr/>
+                    <a:lstStyle/>
+                    <a:p>
+                      <a:r>
+                        <a:rPr lang="en-GB" dirty="0"/>
+                        <a:t>Atomic</a:t>
+                      </a:r>
+                    </a:p>
+                  </a:txBody>
+                  <a:tcPr/>
+                </a:tc>
+                <a:tc>
+                  <a:txBody>
+                    <a:bodyPr/>
+                    <a:lstStyle/>
+                    <a:p>
+                      <a:r>
+                        <a:rPr lang="en-GB" dirty="0"/>
+                        <a:t>Coarse grained</a:t>
+                      </a:r>
+                    </a:p>
+                  </a:txBody>
+                  <a:tcPr/>
+                </a:tc>
+                <a:extLst>
+                  <a:ext uri="{0D108BD9-81ED-4DB2-BD59-A6C34878D82A}">
+                    <a16:rowId xmlns:a16="http://schemas.microsoft.com/office/drawing/2014/main" val="2756759079"/>
+                  </a:ext>
+                </a:extLst>
+              </a:tr>
+              <a:tr h="370840">
+                <a:tc>
+                  <a:txBody>
+                    <a:bodyPr/>
+                    <a:lstStyle/>
+                    <a:p>
+                      <a:r>
+                        <a:rPr lang="en-GB" dirty="0"/>
+                        <a:t>C</a:t>
+                      </a:r>
+                      <a:r>
+                        <a:rPr lang="en-GB" baseline="-25000" dirty="0"/>
+                        <a:t>33</a:t>
+                      </a:r>
+                      <a:r>
+                        <a:rPr lang="en-GB" dirty="0"/>
+                        <a:t>H</a:t>
+                      </a:r>
+                      <a:r>
+                        <a:rPr lang="en-GB" baseline="-25000" dirty="0"/>
+                        <a:t>29</a:t>
+                      </a:r>
+                      <a:r>
+                        <a:rPr lang="en-GB" dirty="0"/>
+                        <a:t>N</a:t>
+                      </a:r>
+                      <a:r>
+                        <a:rPr lang="en-GB" baseline="-25000" dirty="0"/>
+                        <a:t>2</a:t>
+                      </a:r>
+                      <a:r>
+                        <a:rPr lang="en-GB" dirty="0"/>
+                        <a:t>O</a:t>
+                      </a:r>
+                      <a:r>
+                        <a:rPr lang="en-GB" baseline="-25000" dirty="0"/>
+                        <a:t>5</a:t>
+                      </a:r>
+                      <a:r>
+                        <a:rPr lang="en-GB" baseline="30000" dirty="0"/>
+                        <a:t> </a:t>
+                      </a:r>
+                      <a:endParaRPr lang="en-GB" dirty="0"/>
+                    </a:p>
+                  </a:txBody>
+                  <a:tcPr/>
+                </a:tc>
+                <a:tc>
+                  <a:txBody>
+                    <a:bodyPr/>
+                    <a:lstStyle/>
+                    <a:p>
+                      <a:r>
+                        <a:rPr lang="en-GB" dirty="0"/>
+                        <a:t>SC4</a:t>
+                      </a:r>
+                      <a:r>
+                        <a:rPr lang="en-GB" baseline="-25000" dirty="0"/>
+                        <a:t>12</a:t>
+                      </a:r>
+                      <a:r>
+                        <a:rPr lang="en-GB" baseline="0" dirty="0"/>
+                        <a:t>P4</a:t>
+                      </a:r>
+                      <a:r>
+                        <a:rPr lang="en-GB" baseline="-25000" dirty="0"/>
+                        <a:t>2</a:t>
+                      </a:r>
+                      <a:r>
+                        <a:rPr lang="en-GB" baseline="0" dirty="0"/>
+                        <a:t>Qa</a:t>
+                      </a:r>
+                      <a:r>
+                        <a:rPr lang="en-GB" baseline="-25000" dirty="0"/>
+                        <a:t>1</a:t>
+                      </a:r>
+                    </a:p>
+                  </a:txBody>
+                  <a:tcPr/>
+                </a:tc>
+                <a:extLst>
+                  <a:ext uri="{0D108BD9-81ED-4DB2-BD59-A6C34878D82A}">
+                    <a16:rowId xmlns:a16="http://schemas.microsoft.com/office/drawing/2014/main" val="2804058890"/>
+                  </a:ext>
+                </a:extLst>
+              </a:tr>
+              <a:tr h="370840">
+                <a:tc>
+                  <a:txBody>
+                    <a:bodyPr/>
+                    <a:lstStyle/>
+                    <a:p>
+                      <a:r>
+                        <a:rPr lang="en-GB" dirty="0"/>
+                        <a:t>69 atoms</a:t>
+                      </a:r>
+                    </a:p>
+                  </a:txBody>
+                  <a:tcPr/>
+                </a:tc>
+                <a:tc>
+                  <a:txBody>
+                    <a:bodyPr/>
+                    <a:lstStyle/>
+                    <a:p>
+                      <a:r>
+                        <a:rPr lang="en-GB" dirty="0"/>
+                        <a:t>15 beads</a:t>
+                      </a:r>
+                    </a:p>
+                  </a:txBody>
+                  <a:tcPr/>
+                </a:tc>
+                <a:extLst>
+                  <a:ext uri="{0D108BD9-81ED-4DB2-BD59-A6C34878D82A}">
+                    <a16:rowId xmlns:a16="http://schemas.microsoft.com/office/drawing/2014/main" val="3649941715"/>
+                  </a:ext>
+                </a:extLst>
+              </a:tr>
+              <a:tr h="370840">
+                <a:tc>
+                  <a:txBody>
+                    <a:bodyPr/>
+                    <a:lstStyle/>
+                    <a:p>
+                      <a:r>
+                        <a:rPr lang="en-GB" dirty="0"/>
+                        <a:t>69 partial charges</a:t>
+                      </a:r>
+                    </a:p>
+                  </a:txBody>
+                  <a:tcPr/>
+                </a:tc>
+                <a:tc>
+                  <a:txBody>
+                    <a:bodyPr/>
+                    <a:lstStyle/>
+                    <a:p>
+                      <a:r>
+                        <a:rPr lang="en-GB" dirty="0"/>
+                        <a:t>1 charge</a:t>
+                      </a:r>
+                    </a:p>
+                  </a:txBody>
+                  <a:tcPr/>
+                </a:tc>
+                <a:extLst>
+                  <a:ext uri="{0D108BD9-81ED-4DB2-BD59-A6C34878D82A}">
+                    <a16:rowId xmlns:a16="http://schemas.microsoft.com/office/drawing/2014/main" val="3016003571"/>
+                  </a:ext>
+                </a:extLst>
+              </a:tr>
+              <a:tr h="370840">
+                <a:tc>
+                  <a:txBody>
+                    <a:bodyPr/>
+                    <a:lstStyle/>
+                    <a:p>
+                      <a:pPr marL="0" marR="0" lvl="0" indent="0" algn="l" defTabSz="914400" rtl="0" eaLnBrk="1" fontAlgn="auto" latinLnBrk="0" hangingPunct="1">
+                        <a:lnSpc>
+                          <a:spcPct val="100000"/>
+                        </a:lnSpc>
+                        <a:spcBef>
+                          <a:spcPts val="0"/>
+                        </a:spcBef>
+                        <a:spcAft>
+                          <a:spcPts val="0"/>
+                        </a:spcAft>
+                        <a:buClrTx/>
+                        <a:buSzTx/>
+                        <a:buFontTx/>
+                        <a:buNone/>
+                        <a:tabLst/>
+                        <a:defRPr/>
+                      </a:pPr>
+                      <a:r>
+                        <a:rPr lang="en-GB" dirty="0"/>
+                        <a:t>Smallest particle (H) limits time step to 1-2fs</a:t>
+                      </a:r>
+                    </a:p>
+                    <a:p>
+                      <a:endParaRPr lang="en-GB" dirty="0"/>
+                    </a:p>
+                  </a:txBody>
+                  <a:tcPr/>
+                </a:tc>
+                <a:tc>
+                  <a:txBody>
+                    <a:bodyPr/>
+                    <a:lstStyle/>
+                    <a:p>
+                      <a:r>
+                        <a:rPr lang="en-GB" dirty="0"/>
+                        <a:t>Smallest particle (SC4) limits time step to 30 fs</a:t>
+                      </a:r>
+                    </a:p>
+                  </a:txBody>
+                  <a:tcPr/>
+                </a:tc>
+                <a:extLst>
+                  <a:ext uri="{0D108BD9-81ED-4DB2-BD59-A6C34878D82A}">
+                    <a16:rowId xmlns:a16="http://schemas.microsoft.com/office/drawing/2014/main" val="3633097690"/>
+                  </a:ext>
+                </a:extLst>
+              </a:tr>
+            </a:tbl>
+          </a:graphicData>
+        </a:graphic>
+      </p:graphicFrame>
     </p:spTree>
     <p:extLst>
       <p:ext uri="{BB962C8B-B14F-4D97-AF65-F5344CB8AC3E}">
@@ -3550,6 +3841,122 @@
           <p:cNvPr id="2" name="Title 1">
             <a:extLst>
               <a:ext uri="{FF2B5EF4-FFF2-40B4-BE49-F238E27FC236}">
+                <a16:creationId xmlns:a16="http://schemas.microsoft.com/office/drawing/2014/main" id="{7F1A8F8C-D970-23AA-E9A2-064E906D0A62}"/>
+              </a:ext>
+            </a:extLst>
+          </p:cNvPr>
+          <p:cNvSpPr>
+            <a:spLocks noGrp="1"/>
+          </p:cNvSpPr>
+          <p:nvPr>
+            <p:ph type="title"/>
+          </p:nvPr>
+        </p:nvSpPr>
+        <p:spPr/>
+        <p:txBody>
+          <a:bodyPr/>
+          <a:lstStyle/>
+          <a:p>
+            <a:endParaRPr lang="en-GB"/>
+          </a:p>
+        </p:txBody>
+      </p:sp>
+      <p:pic>
+        <p:nvPicPr>
+          <p:cNvPr id="5" name="Content Placeholder 4" descr="A picture containing indoor&#10;&#10;Description automatically generated">
+            <a:extLst>
+              <a:ext uri="{FF2B5EF4-FFF2-40B4-BE49-F238E27FC236}">
+                <a16:creationId xmlns:a16="http://schemas.microsoft.com/office/drawing/2014/main" id="{C10A271F-CA54-42D0-7EDF-CA513BC899F3}"/>
+              </a:ext>
+            </a:extLst>
+          </p:cNvPr>
+          <p:cNvPicPr>
+            <a:picLocks noGrp="1" noChangeAspect="1"/>
+          </p:cNvPicPr>
+          <p:nvPr>
+            <p:ph idx="1"/>
+          </p:nvPr>
+        </p:nvPicPr>
+        <p:blipFill>
+          <a:blip r:embed="rId2">
+            <a:extLst>
+              <a:ext uri="{BEBA8EAE-BF5A-486C-A8C5-ECC9F3942E4B}">
+                <a14:imgProps xmlns:a14="http://schemas.microsoft.com/office/drawing/2010/main">
+                  <a14:imgLayer r:embed="rId3">
+                    <a14:imgEffect>
+                      <a14:backgroundRemoval t="9950" b="96805" l="1584" r="93880">
+                        <a14:foregroundMark x1="1584" y1="96486" x2="1584" y2="96486"/>
+                        <a14:foregroundMark x1="6623" y1="95436" x2="6623" y2="95436"/>
+                        <a14:foregroundMark x1="13787" y1="93793" x2="14579" y2="93610"/>
+                        <a14:foregroundMark x1="20266" y1="90917" x2="20914" y2="90689"/>
+                        <a14:foregroundMark x1="33081" y1="84528" x2="36825" y2="78549"/>
+                        <a14:foregroundMark x1="92657" y1="49749" x2="93952" y2="70333"/>
+                        <a14:foregroundMark x1="93952" y1="70333" x2="93952" y2="70333"/>
+                        <a14:foregroundMark x1="93952" y1="70744" x2="92153" y2="54085"/>
+                        <a14:foregroundMark x1="92153" y1="54085" x2="92153" y2="54085"/>
+                        <a14:foregroundMark x1="38265" y1="88635" x2="31174" y2="91328"/>
+                        <a14:foregroundMark x1="31174" y1="91328" x2="27106" y2="83432"/>
+                        <a14:foregroundMark x1="27106" y1="83432" x2="31821" y2="76723"/>
+                        <a14:foregroundMark x1="31821" y1="76723" x2="39381" y2="82154"/>
+                        <a14:foregroundMark x1="39381" y1="82154" x2="38265" y2="88453"/>
+                        <a14:foregroundMark x1="1728" y1="96714" x2="2052" y2="96714"/>
+                        <a14:foregroundMark x1="1692" y1="96805" x2="2232" y2="96075"/>
+                      </a14:backgroundRemoval>
+                    </a14:imgEffect>
+                  </a14:imgLayer>
+                </a14:imgProps>
+              </a:ext>
+              <a:ext uri="{28A0092B-C50C-407E-A947-70E740481C1C}">
+                <a14:useLocalDpi xmlns:a14="http://schemas.microsoft.com/office/drawing/2010/main" val="0"/>
+              </a:ext>
+            </a:extLst>
+          </a:blip>
+          <a:stretch>
+            <a:fillRect/>
+          </a:stretch>
+        </p:blipFill>
+        <p:spPr>
+          <a:xfrm>
+            <a:off x="1868857" y="106045"/>
+            <a:ext cx="7718489" cy="6087549"/>
+          </a:xfrm>
+        </p:spPr>
+      </p:pic>
+    </p:spTree>
+    <p:extLst>
+      <p:ext uri="{BB962C8B-B14F-4D97-AF65-F5344CB8AC3E}">
+        <p14:creationId xmlns:p14="http://schemas.microsoft.com/office/powerpoint/2010/main" val="2373050861"/>
+      </p:ext>
+    </p:extLst>
+  </p:cSld>
+  <p:clrMapOvr>
+    <a:masterClrMapping/>
+  </p:clrMapOvr>
+</p:sld>
+</file>
+
+<file path=ppt/slides/slide4.xml><?xml version="1.0" encoding="utf-8"?>
+<p:sld xmlns:a="http://schemas.openxmlformats.org/drawingml/2006/main" xmlns:r="http://schemas.openxmlformats.org/officeDocument/2006/relationships" xmlns:p="http://schemas.openxmlformats.org/presentationml/2006/main">
+  <p:cSld>
+    <p:spTree>
+      <p:nvGrpSpPr>
+        <p:cNvPr id="1" name=""/>
+        <p:cNvGrpSpPr/>
+        <p:nvPr/>
+      </p:nvGrpSpPr>
+      <p:grpSpPr>
+        <a:xfrm>
+          <a:off x="0" y="0"/>
+          <a:ext cx="0" cy="0"/>
+          <a:chOff x="0" y="0"/>
+          <a:chExt cx="0" cy="0"/>
+        </a:xfrm>
+      </p:grpSpPr>
+      <p:sp>
+        <p:nvSpPr>
+          <p:cNvPr id="2" name="Title 1">
+            <a:extLst>
+              <a:ext uri="{FF2B5EF4-FFF2-40B4-BE49-F238E27FC236}">
                 <a16:creationId xmlns:a16="http://schemas.microsoft.com/office/drawing/2014/main" id="{0017C125-228C-A117-932B-D8E3DC740B29}"/>
               </a:ext>
             </a:extLst>
@@ -3566,39 +3973,242 @@
           <a:bodyPr/>
           <a:lstStyle/>
           <a:p>
-            <a:endParaRPr lang="en-GB"/>
-          </a:p>
-        </p:txBody>
-      </p:sp>
-      <p:sp>
-        <p:nvSpPr>
-          <p:cNvPr id="3" name="Content Placeholder 2">
-            <a:extLst>
-              <a:ext uri="{FF2B5EF4-FFF2-40B4-BE49-F238E27FC236}">
-                <a16:creationId xmlns:a16="http://schemas.microsoft.com/office/drawing/2014/main" id="{E80630DD-D006-07D1-19B7-0F4F51C48075}"/>
-              </a:ext>
-            </a:extLst>
-          </p:cNvPr>
-          <p:cNvSpPr>
-            <a:spLocks noGrp="1"/>
-          </p:cNvSpPr>
+            <a:r>
+              <a:rPr lang="en-GB" dirty="0"/>
+              <a:t>Building a CG model	</a:t>
+            </a:r>
+          </a:p>
+        </p:txBody>
+      </p:sp>
+      <p:pic>
+        <p:nvPicPr>
+          <p:cNvPr id="5" name="Content Placeholder 4">
+            <a:extLst>
+              <a:ext uri="{FF2B5EF4-FFF2-40B4-BE49-F238E27FC236}">
+                <a16:creationId xmlns:a16="http://schemas.microsoft.com/office/drawing/2014/main" id="{1267C172-B8A0-1B94-F040-FD3543431A6D}"/>
+              </a:ext>
+            </a:extLst>
+          </p:cNvPr>
+          <p:cNvPicPr>
+            <a:picLocks noGrp="1" noChangeAspect="1"/>
+          </p:cNvPicPr>
           <p:nvPr>
             <p:ph idx="1"/>
           </p:nvPr>
-        </p:nvSpPr>
-        <p:spPr/>
-        <p:txBody>
-          <a:bodyPr/>
-          <a:lstStyle/>
-          <a:p>
-            <a:endParaRPr lang="en-GB"/>
-          </a:p>
-        </p:txBody>
-      </p:sp>
+        </p:nvPicPr>
+        <p:blipFill>
+          <a:blip r:embed="rId2"/>
+          <a:stretch>
+            <a:fillRect/>
+          </a:stretch>
+        </p:blipFill>
+        <p:spPr>
+          <a:xfrm>
+            <a:off x="838200" y="2588918"/>
+            <a:ext cx="3933825" cy="2524125"/>
+          </a:xfrm>
+        </p:spPr>
+      </p:pic>
+      <p:pic>
+        <p:nvPicPr>
+          <p:cNvPr id="7" name="Picture 6">
+            <a:extLst>
+              <a:ext uri="{FF2B5EF4-FFF2-40B4-BE49-F238E27FC236}">
+                <a16:creationId xmlns:a16="http://schemas.microsoft.com/office/drawing/2014/main" id="{50BC28B2-5AE2-A983-AD34-0916AE18DD5C}"/>
+              </a:ext>
+            </a:extLst>
+          </p:cNvPr>
+          <p:cNvPicPr>
+            <a:picLocks noChangeAspect="1"/>
+          </p:cNvPicPr>
+          <p:nvPr/>
+        </p:nvPicPr>
+        <p:blipFill>
+          <a:blip r:embed="rId3"/>
+          <a:stretch>
+            <a:fillRect/>
+          </a:stretch>
+        </p:blipFill>
+        <p:spPr>
+          <a:xfrm>
+            <a:off x="6096000" y="2756967"/>
+            <a:ext cx="3429000" cy="1743075"/>
+          </a:xfrm>
+          <a:prstGeom prst="rect">
+            <a:avLst/>
+          </a:prstGeom>
+        </p:spPr>
+      </p:pic>
     </p:spTree>
     <p:extLst>
       <p:ext uri="{BB962C8B-B14F-4D97-AF65-F5344CB8AC3E}">
         <p14:creationId xmlns:p14="http://schemas.microsoft.com/office/powerpoint/2010/main" val="3957563461"/>
+      </p:ext>
+    </p:extLst>
+  </p:cSld>
+  <p:clrMapOvr>
+    <a:masterClrMapping/>
+  </p:clrMapOvr>
+</p:sld>
+</file>
+
+<file path=ppt/slides/slide5.xml><?xml version="1.0" encoding="utf-8"?>
+<p:sld xmlns:a="http://schemas.openxmlformats.org/drawingml/2006/main" xmlns:r="http://schemas.openxmlformats.org/officeDocument/2006/relationships" xmlns:p="http://schemas.openxmlformats.org/presentationml/2006/main">
+  <p:cSld>
+    <p:spTree>
+      <p:nvGrpSpPr>
+        <p:cNvPr id="1" name=""/>
+        <p:cNvGrpSpPr/>
+        <p:nvPr/>
+      </p:nvGrpSpPr>
+      <p:grpSpPr>
+        <a:xfrm>
+          <a:off x="0" y="0"/>
+          <a:ext cx="0" cy="0"/>
+          <a:chOff x="0" y="0"/>
+          <a:chExt cx="0" cy="0"/>
+        </a:xfrm>
+      </p:grpSpPr>
+      <p:sp>
+        <p:nvSpPr>
+          <p:cNvPr id="2" name="Title 1">
+            <a:extLst>
+              <a:ext uri="{FF2B5EF4-FFF2-40B4-BE49-F238E27FC236}">
+                <a16:creationId xmlns:a16="http://schemas.microsoft.com/office/drawing/2014/main" id="{02E526A1-6C26-3CA6-3555-50C4BD246620}"/>
+              </a:ext>
+            </a:extLst>
+          </p:cNvPr>
+          <p:cNvSpPr>
+            <a:spLocks noGrp="1"/>
+          </p:cNvSpPr>
+          <p:nvPr>
+            <p:ph type="title"/>
+          </p:nvPr>
+        </p:nvSpPr>
+        <p:spPr/>
+        <p:txBody>
+          <a:bodyPr/>
+          <a:lstStyle/>
+          <a:p>
+            <a:r>
+              <a:rPr lang="en-GB" dirty="0"/>
+              <a:t>Bottom-up</a:t>
+            </a:r>
+          </a:p>
+        </p:txBody>
+      </p:sp>
+      <p:sp>
+        <p:nvSpPr>
+          <p:cNvPr id="3" name="Content Placeholder 2">
+            <a:extLst>
+              <a:ext uri="{FF2B5EF4-FFF2-40B4-BE49-F238E27FC236}">
+                <a16:creationId xmlns:a16="http://schemas.microsoft.com/office/drawing/2014/main" id="{62CEB39F-1CFA-7B19-87A1-D97CB8624F96}"/>
+              </a:ext>
+            </a:extLst>
+          </p:cNvPr>
+          <p:cNvSpPr>
+            <a:spLocks noGrp="1"/>
+          </p:cNvSpPr>
+          <p:nvPr>
+            <p:ph idx="1"/>
+          </p:nvPr>
+        </p:nvSpPr>
+        <p:spPr/>
+        <p:txBody>
+          <a:bodyPr/>
+          <a:lstStyle/>
+          <a:p>
+            <a:r>
+              <a:rPr lang="en-GB" dirty="0"/>
+              <a:t>FF dihedral</a:t>
+            </a:r>
+          </a:p>
+        </p:txBody>
+      </p:sp>
+    </p:spTree>
+    <p:extLst>
+      <p:ext uri="{BB962C8B-B14F-4D97-AF65-F5344CB8AC3E}">
+        <p14:creationId xmlns:p14="http://schemas.microsoft.com/office/powerpoint/2010/main" val="2936574976"/>
+      </p:ext>
+    </p:extLst>
+  </p:cSld>
+  <p:clrMapOvr>
+    <a:masterClrMapping/>
+  </p:clrMapOvr>
+</p:sld>
+</file>
+
+<file path=ppt/slides/slide6.xml><?xml version="1.0" encoding="utf-8"?>
+<p:sld xmlns:a="http://schemas.openxmlformats.org/drawingml/2006/main" xmlns:r="http://schemas.openxmlformats.org/officeDocument/2006/relationships" xmlns:p="http://schemas.openxmlformats.org/presentationml/2006/main">
+  <p:cSld>
+    <p:spTree>
+      <p:nvGrpSpPr>
+        <p:cNvPr id="1" name=""/>
+        <p:cNvGrpSpPr/>
+        <p:nvPr/>
+      </p:nvGrpSpPr>
+      <p:grpSpPr>
+        <a:xfrm>
+          <a:off x="0" y="0"/>
+          <a:ext cx="0" cy="0"/>
+          <a:chOff x="0" y="0"/>
+          <a:chExt cx="0" cy="0"/>
+        </a:xfrm>
+      </p:grpSpPr>
+      <p:sp>
+        <p:nvSpPr>
+          <p:cNvPr id="2" name="Title 1">
+            <a:extLst>
+              <a:ext uri="{FF2B5EF4-FFF2-40B4-BE49-F238E27FC236}">
+                <a16:creationId xmlns:a16="http://schemas.microsoft.com/office/drawing/2014/main" id="{35CAD1A1-A8B7-AF51-FB0D-DC90AA3C69A8}"/>
+              </a:ext>
+            </a:extLst>
+          </p:cNvPr>
+          <p:cNvSpPr>
+            <a:spLocks noGrp="1"/>
+          </p:cNvSpPr>
+          <p:nvPr>
+            <p:ph type="title"/>
+          </p:nvPr>
+        </p:nvSpPr>
+        <p:spPr/>
+        <p:txBody>
+          <a:bodyPr/>
+          <a:lstStyle/>
+          <a:p>
+            <a:endParaRPr lang="en-GB"/>
+          </a:p>
+        </p:txBody>
+      </p:sp>
+      <p:sp>
+        <p:nvSpPr>
+          <p:cNvPr id="3" name="Content Placeholder 2">
+            <a:extLst>
+              <a:ext uri="{FF2B5EF4-FFF2-40B4-BE49-F238E27FC236}">
+                <a16:creationId xmlns:a16="http://schemas.microsoft.com/office/drawing/2014/main" id="{48E5A943-D580-59B9-6761-EAC5410CA69A}"/>
+              </a:ext>
+            </a:extLst>
+          </p:cNvPr>
+          <p:cNvSpPr>
+            <a:spLocks noGrp="1"/>
+          </p:cNvSpPr>
+          <p:nvPr>
+            <p:ph idx="1"/>
+          </p:nvPr>
+        </p:nvSpPr>
+        <p:spPr/>
+        <p:txBody>
+          <a:bodyPr/>
+          <a:lstStyle/>
+          <a:p>
+            <a:endParaRPr lang="en-GB"/>
+          </a:p>
+        </p:txBody>
+      </p:sp>
+    </p:spTree>
+    <p:extLst>
+      <p:ext uri="{BB962C8B-B14F-4D97-AF65-F5344CB8AC3E}">
+        <p14:creationId xmlns:p14="http://schemas.microsoft.com/office/powerpoint/2010/main" val="2632708936"/>
       </p:ext>
     </p:extLst>
   </p:cSld>

--- a/CGMD.pptx
+++ b/CGMD.pptx
@@ -7,10 +7,11 @@
   <p:sldIdLst>
     <p:sldId id="256" r:id="rId2"/>
     <p:sldId id="257" r:id="rId3"/>
-    <p:sldId id="260" r:id="rId4"/>
-    <p:sldId id="258" r:id="rId5"/>
-    <p:sldId id="259" r:id="rId6"/>
-    <p:sldId id="261" r:id="rId7"/>
+    <p:sldId id="262" r:id="rId4"/>
+    <p:sldId id="260" r:id="rId5"/>
+    <p:sldId id="258" r:id="rId6"/>
+    <p:sldId id="259" r:id="rId7"/>
+    <p:sldId id="261" r:id="rId8"/>
   </p:sldIdLst>
   <p:sldSz cx="12192000" cy="6858000"/>
   <p:notesSz cx="6858000" cy="9144000"/>
@@ -109,6 +110,11 @@
       </a:defRPr>
     </a:lvl9pPr>
   </p:defaultTextStyle>
+  <p:extLst>
+    <p:ext uri="{EFAFB233-063F-42B5-8137-9DF3F51BA10A}">
+      <p15:sldGuideLst xmlns:p15="http://schemas.microsoft.com/office/powerpoint/2012/main"/>
+    </p:ext>
+  </p:extLst>
 </p:presentation>
 </file>
 
@@ -261,7 +267,7 @@
           <a:p>
             <a:fld id="{C5906C5D-18D9-4854-B3A8-A79366106C95}" type="datetimeFigureOut">
               <a:rPr lang="en-GB" smtClean="0"/>
-              <a:t>16/02/2023</a:t>
+              <a:t>17/02/2023</a:t>
             </a:fld>
             <a:endParaRPr lang="en-GB"/>
           </a:p>
@@ -461,7 +467,7 @@
           <a:p>
             <a:fld id="{C5906C5D-18D9-4854-B3A8-A79366106C95}" type="datetimeFigureOut">
               <a:rPr lang="en-GB" smtClean="0"/>
-              <a:t>16/02/2023</a:t>
+              <a:t>17/02/2023</a:t>
             </a:fld>
             <a:endParaRPr lang="en-GB"/>
           </a:p>
@@ -671,7 +677,7 @@
           <a:p>
             <a:fld id="{C5906C5D-18D9-4854-B3A8-A79366106C95}" type="datetimeFigureOut">
               <a:rPr lang="en-GB" smtClean="0"/>
-              <a:t>16/02/2023</a:t>
+              <a:t>17/02/2023</a:t>
             </a:fld>
             <a:endParaRPr lang="en-GB"/>
           </a:p>
@@ -871,7 +877,7 @@
           <a:p>
             <a:fld id="{C5906C5D-18D9-4854-B3A8-A79366106C95}" type="datetimeFigureOut">
               <a:rPr lang="en-GB" smtClean="0"/>
-              <a:t>16/02/2023</a:t>
+              <a:t>17/02/2023</a:t>
             </a:fld>
             <a:endParaRPr lang="en-GB"/>
           </a:p>
@@ -1147,7 +1153,7 @@
           <a:p>
             <a:fld id="{C5906C5D-18D9-4854-B3A8-A79366106C95}" type="datetimeFigureOut">
               <a:rPr lang="en-GB" smtClean="0"/>
-              <a:t>16/02/2023</a:t>
+              <a:t>17/02/2023</a:t>
             </a:fld>
             <a:endParaRPr lang="en-GB"/>
           </a:p>
@@ -1415,7 +1421,7 @@
           <a:p>
             <a:fld id="{C5906C5D-18D9-4854-B3A8-A79366106C95}" type="datetimeFigureOut">
               <a:rPr lang="en-GB" smtClean="0"/>
-              <a:t>16/02/2023</a:t>
+              <a:t>17/02/2023</a:t>
             </a:fld>
             <a:endParaRPr lang="en-GB"/>
           </a:p>
@@ -1830,7 +1836,7 @@
           <a:p>
             <a:fld id="{C5906C5D-18D9-4854-B3A8-A79366106C95}" type="datetimeFigureOut">
               <a:rPr lang="en-GB" smtClean="0"/>
-              <a:t>16/02/2023</a:t>
+              <a:t>17/02/2023</a:t>
             </a:fld>
             <a:endParaRPr lang="en-GB"/>
           </a:p>
@@ -1972,7 +1978,7 @@
           <a:p>
             <a:fld id="{C5906C5D-18D9-4854-B3A8-A79366106C95}" type="datetimeFigureOut">
               <a:rPr lang="en-GB" smtClean="0"/>
-              <a:t>16/02/2023</a:t>
+              <a:t>17/02/2023</a:t>
             </a:fld>
             <a:endParaRPr lang="en-GB"/>
           </a:p>
@@ -2085,7 +2091,7 @@
           <a:p>
             <a:fld id="{C5906C5D-18D9-4854-B3A8-A79366106C95}" type="datetimeFigureOut">
               <a:rPr lang="en-GB" smtClean="0"/>
-              <a:t>16/02/2023</a:t>
+              <a:t>17/02/2023</a:t>
             </a:fld>
             <a:endParaRPr lang="en-GB"/>
           </a:p>
@@ -2398,7 +2404,7 @@
           <a:p>
             <a:fld id="{C5906C5D-18D9-4854-B3A8-A79366106C95}" type="datetimeFigureOut">
               <a:rPr lang="en-GB" smtClean="0"/>
-              <a:t>16/02/2023</a:t>
+              <a:t>17/02/2023</a:t>
             </a:fld>
             <a:endParaRPr lang="en-GB"/>
           </a:p>
@@ -2687,7 +2693,7 @@
           <a:p>
             <a:fld id="{C5906C5D-18D9-4854-B3A8-A79366106C95}" type="datetimeFigureOut">
               <a:rPr lang="en-GB" smtClean="0"/>
-              <a:t>16/02/2023</a:t>
+              <a:t>17/02/2023</a:t>
             </a:fld>
             <a:endParaRPr lang="en-GB"/>
           </a:p>
@@ -2930,7 +2936,7 @@
           <a:p>
             <a:fld id="{C5906C5D-18D9-4854-B3A8-A79366106C95}" type="datetimeFigureOut">
               <a:rPr lang="en-GB" smtClean="0"/>
-              <a:t>16/02/2023</a:t>
+              <a:t>17/02/2023</a:t>
             </a:fld>
             <a:endParaRPr lang="en-GB"/>
           </a:p>
@@ -3836,6 +3842,66 @@
           <a:chExt cx="0" cy="0"/>
         </a:xfrm>
       </p:grpSpPr>
+      <p:pic>
+        <p:nvPicPr>
+          <p:cNvPr id="4" name="Picture 3">
+            <a:extLst>
+              <a:ext uri="{FF2B5EF4-FFF2-40B4-BE49-F238E27FC236}">
+                <a16:creationId xmlns:a16="http://schemas.microsoft.com/office/drawing/2014/main" id="{639A3805-0728-43A7-DFAF-2D0AD8B2EEA7}"/>
+              </a:ext>
+            </a:extLst>
+          </p:cNvPr>
+          <p:cNvPicPr>
+            <a:picLocks noChangeAspect="1"/>
+          </p:cNvPicPr>
+          <p:nvPr/>
+        </p:nvPicPr>
+        <p:blipFill>
+          <a:blip r:embed="rId2"/>
+          <a:stretch>
+            <a:fillRect/>
+          </a:stretch>
+        </p:blipFill>
+        <p:spPr>
+          <a:xfrm>
+            <a:off x="3500437" y="2614612"/>
+            <a:ext cx="5191125" cy="1628775"/>
+          </a:xfrm>
+          <a:prstGeom prst="rect">
+            <a:avLst/>
+          </a:prstGeom>
+        </p:spPr>
+      </p:pic>
+    </p:spTree>
+    <p:extLst>
+      <p:ext uri="{BB962C8B-B14F-4D97-AF65-F5344CB8AC3E}">
+        <p14:creationId xmlns:p14="http://schemas.microsoft.com/office/powerpoint/2010/main" val="4160643086"/>
+      </p:ext>
+    </p:extLst>
+  </p:cSld>
+  <p:clrMapOvr>
+    <a:masterClrMapping/>
+  </p:clrMapOvr>
+</p:sld>
+</file>
+
+<file path=ppt/slides/slide4.xml><?xml version="1.0" encoding="utf-8"?>
+<p:sld xmlns:a="http://schemas.openxmlformats.org/drawingml/2006/main" xmlns:r="http://schemas.openxmlformats.org/officeDocument/2006/relationships" xmlns:p="http://schemas.openxmlformats.org/presentationml/2006/main">
+  <p:cSld>
+    <p:spTree>
+      <p:nvGrpSpPr>
+        <p:cNvPr id="1" name=""/>
+        <p:cNvGrpSpPr/>
+        <p:nvPr/>
+      </p:nvGrpSpPr>
+      <p:grpSpPr>
+        <a:xfrm>
+          <a:off x="0" y="0"/>
+          <a:ext cx="0" cy="0"/>
+          <a:chOff x="0" y="0"/>
+          <a:chExt cx="0" cy="0"/>
+        </a:xfrm>
+      </p:grpSpPr>
       <p:sp>
         <p:nvSpPr>
           <p:cNvPr id="2" name="Title 1">
@@ -3935,7 +4001,7 @@
 </p:sld>
 </file>
 
-<file path=ppt/slides/slide4.xml><?xml version="1.0" encoding="utf-8"?>
+<file path=ppt/slides/slide5.xml><?xml version="1.0" encoding="utf-8"?>
 <p:sld xmlns:a="http://schemas.openxmlformats.org/drawingml/2006/main" xmlns:r="http://schemas.openxmlformats.org/officeDocument/2006/relationships" xmlns:p="http://schemas.openxmlformats.org/presentationml/2006/main">
   <p:cSld>
     <p:spTree>
@@ -4052,7 +4118,7 @@
 </p:sld>
 </file>
 
-<file path=ppt/slides/slide5.xml><?xml version="1.0" encoding="utf-8"?>
+<file path=ppt/slides/slide6.xml><?xml version="1.0" encoding="utf-8"?>
 <p:sld xmlns:a="http://schemas.openxmlformats.org/drawingml/2006/main" xmlns:r="http://schemas.openxmlformats.org/officeDocument/2006/relationships" xmlns:p="http://schemas.openxmlformats.org/presentationml/2006/main">
   <p:cSld>
     <p:spTree>
@@ -4138,7 +4204,7 @@
 </p:sld>
 </file>
 
-<file path=ppt/slides/slide6.xml><?xml version="1.0" encoding="utf-8"?>
+<file path=ppt/slides/slide7.xml><?xml version="1.0" encoding="utf-8"?>
 <p:sld xmlns:a="http://schemas.openxmlformats.org/drawingml/2006/main" xmlns:r="http://schemas.openxmlformats.org/officeDocument/2006/relationships" xmlns:p="http://schemas.openxmlformats.org/presentationml/2006/main">
   <p:cSld>
     <p:spTree>
